--- a/EPWS2223HausenKochZimmer Audit 2.pptx
+++ b/EPWS2223HausenKochZimmer Audit 2.pptx
@@ -902,6 +902,38 @@
               <a:t>Dies diente uns für einen besseren Überblick über die Systemelemente und deren Unterelemente </a:t>
             </a:r>
           </a:p>
+          <a:p>
+            <a:endParaRPr lang="de-DE" dirty="0"/>
+          </a:p>
+          <a:p>
+            <a:pPr marL="0" marR="0" lvl="0" indent="0" algn="l" defTabSz="914400" rtl="0" eaLnBrk="1" fontAlgn="auto" latinLnBrk="0" hangingPunct="1">
+              <a:lnSpc>
+                <a:spcPct val="100000"/>
+              </a:lnSpc>
+              <a:spcBef>
+                <a:spcPts val="0"/>
+              </a:spcBef>
+              <a:spcAft>
+                <a:spcPts val="0"/>
+              </a:spcAft>
+              <a:buClrTx/>
+              <a:buSzTx/>
+              <a:buFontTx/>
+              <a:buNone/>
+              <a:tabLst/>
+              <a:defRPr/>
+            </a:pPr>
+            <a:r>
+              <a:rPr lang="de-DE" sz="1200" dirty="0">
+                <a:hlinkClick r:id="rId3"/>
+              </a:rPr>
+              <a:t>https://miro.com/app/board/uXjVPB5cFxc=/?share_link_id=648587274216</a:t>
+            </a:r>
+            <a:endParaRPr lang="de-DE" sz="1200" dirty="0"/>
+          </a:p>
+          <a:p>
+            <a:endParaRPr lang="de-DE" dirty="0"/>
+          </a:p>
         </p:txBody>
       </p:sp>
       <p:sp>
@@ -1071,7 +1103,27 @@
           <a:bodyPr/>
           <a:lstStyle/>
           <a:p>
+            <a:r>
+              <a:rPr lang="de-DE" dirty="0"/>
+              <a:t>Wir haben die </a:t>
+            </a:r>
+            <a:r>
+              <a:rPr lang="de-DE" dirty="0" err="1"/>
+              <a:t>Stakeholderlyse</a:t>
+            </a:r>
+            <a:r>
+              <a:rPr lang="de-DE" dirty="0"/>
+              <a:t> nachgeschärft.</a:t>
+            </a:r>
+          </a:p>
+          <a:p>
             <a:endParaRPr lang="de-DE" dirty="0"/>
+          </a:p>
+          <a:p>
+            <a:r>
+              <a:rPr lang="de-DE" dirty="0"/>
+              <a:t>https://github.com/sebastiankoch10/EPWS2223HausenKochZimmer/blob/main/Stakeholderanalyse.xlsx</a:t>
+            </a:r>
           </a:p>
         </p:txBody>
       </p:sp>
@@ -1155,7 +1207,10 @@
           <a:bodyPr/>
           <a:lstStyle/>
           <a:p>
-            <a:endParaRPr lang="de-DE" dirty="0"/>
+            <a:r>
+              <a:rPr lang="de-DE" dirty="0"/>
+              <a:t>Es haben sich hauptsächlich technische Risiken für unser Projekt ergeben, andere Risiken haben für uns nicht so eine hohe Relevanz.</a:t>
+            </a:r>
           </a:p>
         </p:txBody>
       </p:sp>
@@ -1408,6 +1463,21 @@
           <a:lstStyle/>
           <a:p>
             <a:endParaRPr lang="de-DE" dirty="0"/>
+          </a:p>
+          <a:p>
+            <a:endParaRPr lang="de-DE" dirty="0"/>
+          </a:p>
+          <a:p>
+            <a:r>
+              <a:rPr lang="de-DE" dirty="0"/>
+              <a:t>https://miro.com/app/board/uXjVPB5cFxc=/?moveToWidget=3458764540788110498&amp;cot=14</a:t>
+            </a:r>
+          </a:p>
+          <a:p>
+            <a:r>
+              <a:rPr lang="de-DE" dirty="0"/>
+              <a:t>https://miro.com/app/board/uXjVPB5cFxc=/?share_link_id=698316325699   - Falls erster Link nicht funktioniert, bitte diesen hier nutze</a:t>
+            </a:r>
           </a:p>
         </p:txBody>
       </p:sp>
@@ -5181,12 +5251,22 @@
           <a:p>
             <a:pPr lvl="0"/>
             <a:r>
-              <a:rPr lang="de-DE" sz="3200" dirty="0">
-                <a:hlinkClick r:id="rId3"/>
+              <a:rPr lang="de-DE" sz="2000" b="0" i="0" u="sng" dirty="0">
+                <a:effectLst/>
+                <a:latin typeface="gg sans"/>
+                <a:hlinkClick r:id="rId3" tooltip="https://miro.com/app/board/uXjVPB5cFxc=/?moveToWidget=3458764540320193847&amp;cot=14"/>
               </a:rPr>
-              <a:t>https://miro.com/app/board/uXjVPB5cFxc=/?share_link_id=648587274216</a:t>
-            </a:r>
-            <a:endParaRPr lang="de-DE" sz="3200" dirty="0"/>
+              <a:t>https://miro.com/app/board/uXjVPB5cFxc=/?moveToWidget=3458764540320193847&amp;cot=14</a:t>
+            </a:r>
+            <a:endParaRPr lang="de-DE" sz="3200" dirty="0">
+              <a:hlinkClick r:id="rId4"/>
+            </a:endParaRPr>
+          </a:p>
+          <a:p>
+            <a:pPr lvl="0"/>
+            <a:endParaRPr lang="de-DE" sz="3200" dirty="0">
+              <a:hlinkClick r:id="rId4"/>
+            </a:endParaRPr>
           </a:p>
           <a:p>
             <a:pPr lvl="0"/>
@@ -5405,31 +5485,10 @@
           <a:bodyPr/>
           <a:lstStyle/>
           <a:p>
-            <a:endParaRPr lang="de-DE" dirty="0"/>
-          </a:p>
-        </p:txBody>
-      </p:sp>
-      <p:sp>
-        <p:nvSpPr>
-          <p:cNvPr id="3" name="Inhaltsplatzhalter 2">
-            <a:extLst>
-              <a:ext uri="{FF2B5EF4-FFF2-40B4-BE49-F238E27FC236}">
-                <a16:creationId xmlns:a16="http://schemas.microsoft.com/office/drawing/2014/main" id="{26828B3D-0288-9D01-3FAB-ED2A638AE90B}"/>
-              </a:ext>
-            </a:extLst>
-          </p:cNvPr>
-          <p:cNvSpPr>
-            <a:spLocks noGrp="1"/>
-          </p:cNvSpPr>
-          <p:nvPr>
-            <p:ph idx="1"/>
-          </p:nvPr>
-        </p:nvSpPr>
-        <p:spPr/>
-        <p:txBody>
-          <a:bodyPr/>
-          <a:lstStyle/>
-          <a:p>
+            <a:r>
+              <a:rPr lang="de-DE" dirty="0" err="1"/>
+              <a:t>Stakeholderanalyse</a:t>
+            </a:r>
             <a:endParaRPr lang="de-DE" dirty="0"/>
           </a:p>
         </p:txBody>
@@ -5471,6 +5530,36 @@
           </a:p>
         </p:txBody>
       </p:sp>
+      <p:pic>
+        <p:nvPicPr>
+          <p:cNvPr id="6" name="Grafik 5">
+            <a:extLst>
+              <a:ext uri="{FF2B5EF4-FFF2-40B4-BE49-F238E27FC236}">
+                <a16:creationId xmlns:a16="http://schemas.microsoft.com/office/drawing/2014/main" id="{97E37E9C-ABBA-B520-0553-143934BAB724}"/>
+              </a:ext>
+            </a:extLst>
+          </p:cNvPr>
+          <p:cNvPicPr>
+            <a:picLocks noChangeAspect="1"/>
+          </p:cNvPicPr>
+          <p:nvPr/>
+        </p:nvPicPr>
+        <p:blipFill>
+          <a:blip r:embed="rId3"/>
+          <a:stretch>
+            <a:fillRect/>
+          </a:stretch>
+        </p:blipFill>
+        <p:spPr>
+          <a:xfrm>
+            <a:off x="838200" y="1517745"/>
+            <a:ext cx="10668925" cy="4663844"/>
+          </a:xfrm>
+          <a:prstGeom prst="rect">
+            <a:avLst/>
+          </a:prstGeom>
+        </p:spPr>
+      </p:pic>
     </p:spTree>
     <p:extLst>
       <p:ext uri="{BB962C8B-B14F-4D97-AF65-F5344CB8AC3E}">
@@ -5522,7 +5611,10 @@
           <a:bodyPr/>
           <a:lstStyle/>
           <a:p>
-            <a:endParaRPr lang="de-DE" dirty="0"/>
+            <a:r>
+              <a:rPr lang="de-DE" dirty="0"/>
+              <a:t>Risikoanalyse</a:t>
+            </a:r>
           </a:p>
         </p:txBody>
       </p:sp>
@@ -5547,7 +5639,10 @@
           <a:bodyPr/>
           <a:lstStyle/>
           <a:p>
-            <a:endParaRPr lang="de-DE" dirty="0"/>
+            <a:r>
+              <a:rPr lang="de-DE" dirty="0"/>
+              <a:t>https://github.com/sebastiankoch10/EPWS2223HausenKochZimmer/blob/main/Risikoanalyse%20.xlsx</a:t>
+            </a:r>
           </a:p>
         </p:txBody>
       </p:sp>
@@ -5639,6 +5734,14 @@
           <a:bodyPr/>
           <a:lstStyle/>
           <a:p>
+            <a:r>
+              <a:rPr lang="de-DE" dirty="0"/>
+              <a:t>User </a:t>
+            </a:r>
+            <a:r>
+              <a:rPr lang="de-DE" dirty="0" err="1"/>
+              <a:t>Profiles</a:t>
+            </a:r>
             <a:endParaRPr lang="de-DE" dirty="0"/>
           </a:p>
         </p:txBody>
@@ -5664,7 +5767,64 @@
           <a:bodyPr/>
           <a:lstStyle/>
           <a:p>
-            <a:endParaRPr lang="de-DE" dirty="0"/>
+            <a:r>
+              <a:rPr lang="de-DE" sz="1800" dirty="0">
+                <a:effectLst/>
+                <a:latin typeface="Calibri" panose="020F0502020204030204" pitchFamily="34" charset="0"/>
+                <a:ea typeface="Calibri" panose="020F0502020204030204" pitchFamily="34" charset="0"/>
+                <a:cs typeface="Times New Roman" panose="02020603050405020304" pitchFamily="18" charset="0"/>
+              </a:rPr>
+              <a:t>User Profile: Besitzer Fotoalben Senioren</a:t>
+            </a:r>
+          </a:p>
+          <a:p>
+            <a:endParaRPr lang="de-DE" sz="1800" dirty="0">
+              <a:latin typeface="Calibri" panose="020F0502020204030204" pitchFamily="34" charset="0"/>
+              <a:ea typeface="Calibri" panose="020F0502020204030204" pitchFamily="34" charset="0"/>
+              <a:cs typeface="Times New Roman" panose="02020603050405020304" pitchFamily="18" charset="0"/>
+            </a:endParaRPr>
+          </a:p>
+          <a:p>
+            <a:endParaRPr lang="de-DE" sz="1800" dirty="0">
+              <a:effectLst/>
+              <a:latin typeface="Calibri" panose="020F0502020204030204" pitchFamily="34" charset="0"/>
+              <a:ea typeface="Calibri" panose="020F0502020204030204" pitchFamily="34" charset="0"/>
+              <a:cs typeface="Times New Roman" panose="02020603050405020304" pitchFamily="18" charset="0"/>
+            </a:endParaRPr>
+          </a:p>
+          <a:p>
+            <a:endParaRPr lang="de-DE" sz="1800" dirty="0">
+              <a:latin typeface="Calibri" panose="020F0502020204030204" pitchFamily="34" charset="0"/>
+              <a:ea typeface="Calibri" panose="020F0502020204030204" pitchFamily="34" charset="0"/>
+              <a:cs typeface="Times New Roman" panose="02020603050405020304" pitchFamily="18" charset="0"/>
+            </a:endParaRPr>
+          </a:p>
+          <a:p>
+            <a:endParaRPr lang="de-DE" sz="1800" dirty="0">
+              <a:effectLst/>
+              <a:latin typeface="Calibri" panose="020F0502020204030204" pitchFamily="34" charset="0"/>
+              <a:ea typeface="Calibri" panose="020F0502020204030204" pitchFamily="34" charset="0"/>
+              <a:cs typeface="Times New Roman" panose="02020603050405020304" pitchFamily="18" charset="0"/>
+            </a:endParaRPr>
+          </a:p>
+          <a:p>
+            <a:r>
+              <a:rPr lang="de-DE" sz="1800" dirty="0">
+                <a:effectLst/>
+                <a:latin typeface="Calibri" panose="020F0502020204030204" pitchFamily="34" charset="0"/>
+                <a:ea typeface="Calibri" panose="020F0502020204030204" pitchFamily="34" charset="0"/>
+                <a:cs typeface="Times New Roman" panose="02020603050405020304" pitchFamily="18" charset="0"/>
+              </a:rPr>
+              <a:t>User Profile: Unterstützer Mittleren Alters</a:t>
+            </a:r>
+          </a:p>
+          <a:p>
+            <a:endParaRPr lang="de-DE" sz="1800" dirty="0">
+              <a:effectLst/>
+              <a:latin typeface="Calibri" panose="020F0502020204030204" pitchFamily="34" charset="0"/>
+              <a:ea typeface="Calibri" panose="020F0502020204030204" pitchFamily="34" charset="0"/>
+              <a:cs typeface="Times New Roman" panose="02020603050405020304" pitchFamily="18" charset="0"/>
+            </a:endParaRPr>
           </a:p>
         </p:txBody>
       </p:sp>
@@ -5705,6 +5865,66 @@
           </a:p>
         </p:txBody>
       </p:sp>
+      <p:pic>
+        <p:nvPicPr>
+          <p:cNvPr id="7" name="Grafik 6">
+            <a:extLst>
+              <a:ext uri="{FF2B5EF4-FFF2-40B4-BE49-F238E27FC236}">
+                <a16:creationId xmlns:a16="http://schemas.microsoft.com/office/drawing/2014/main" id="{4DA0D986-08C6-3FA5-079A-2B670B6A78B7}"/>
+              </a:ext>
+            </a:extLst>
+          </p:cNvPr>
+          <p:cNvPicPr>
+            <a:picLocks noChangeAspect="1"/>
+          </p:cNvPicPr>
+          <p:nvPr/>
+        </p:nvPicPr>
+        <p:blipFill>
+          <a:blip r:embed="rId3"/>
+          <a:stretch>
+            <a:fillRect/>
+          </a:stretch>
+        </p:blipFill>
+        <p:spPr>
+          <a:xfrm>
+            <a:off x="762445" y="2199602"/>
+            <a:ext cx="4694327" cy="1486029"/>
+          </a:xfrm>
+          <a:prstGeom prst="rect">
+            <a:avLst/>
+          </a:prstGeom>
+        </p:spPr>
+      </p:pic>
+      <p:pic>
+        <p:nvPicPr>
+          <p:cNvPr id="9" name="Grafik 8">
+            <a:extLst>
+              <a:ext uri="{FF2B5EF4-FFF2-40B4-BE49-F238E27FC236}">
+                <a16:creationId xmlns:a16="http://schemas.microsoft.com/office/drawing/2014/main" id="{7FDF461C-3977-422B-77E6-630D32419D11}"/>
+              </a:ext>
+            </a:extLst>
+          </p:cNvPr>
+          <p:cNvPicPr>
+            <a:picLocks noChangeAspect="1"/>
+          </p:cNvPicPr>
+          <p:nvPr/>
+        </p:nvPicPr>
+        <p:blipFill>
+          <a:blip r:embed="rId4"/>
+          <a:stretch>
+            <a:fillRect/>
+          </a:stretch>
+        </p:blipFill>
+        <p:spPr>
+          <a:xfrm>
+            <a:off x="762445" y="4001294"/>
+            <a:ext cx="4625741" cy="1432684"/>
+          </a:xfrm>
+          <a:prstGeom prst="rect">
+            <a:avLst/>
+          </a:prstGeom>
+        </p:spPr>
+      </p:pic>
     </p:spTree>
     <p:extLst>
       <p:ext uri="{BB962C8B-B14F-4D97-AF65-F5344CB8AC3E}">
@@ -5756,32 +5976,10 @@
           <a:bodyPr/>
           <a:lstStyle/>
           <a:p>
-            <a:endParaRPr lang="de-DE" dirty="0"/>
-          </a:p>
-        </p:txBody>
-      </p:sp>
-      <p:sp>
-        <p:nvSpPr>
-          <p:cNvPr id="3" name="Inhaltsplatzhalter 2">
-            <a:extLst>
-              <a:ext uri="{FF2B5EF4-FFF2-40B4-BE49-F238E27FC236}">
-                <a16:creationId xmlns:a16="http://schemas.microsoft.com/office/drawing/2014/main" id="{26828B3D-0288-9D01-3FAB-ED2A638AE90B}"/>
-              </a:ext>
-            </a:extLst>
-          </p:cNvPr>
-          <p:cNvSpPr>
-            <a:spLocks noGrp="1"/>
-          </p:cNvSpPr>
-          <p:nvPr>
-            <p:ph idx="1"/>
-          </p:nvPr>
-        </p:nvSpPr>
-        <p:spPr/>
-        <p:txBody>
-          <a:bodyPr/>
-          <a:lstStyle/>
-          <a:p>
-            <a:endParaRPr lang="de-DE" dirty="0"/>
+            <a:r>
+              <a:rPr lang="de-DE" dirty="0"/>
+              <a:t>Personas</a:t>
+            </a:r>
           </a:p>
         </p:txBody>
       </p:sp>
@@ -5819,6 +6017,34 @@
                 <a:schemeClr val="tx1"/>
               </a:solidFill>
             </a:endParaRPr>
+          </a:p>
+        </p:txBody>
+      </p:sp>
+      <p:sp>
+        <p:nvSpPr>
+          <p:cNvPr id="7" name="Inhaltsplatzhalter 6">
+            <a:extLst>
+              <a:ext uri="{FF2B5EF4-FFF2-40B4-BE49-F238E27FC236}">
+                <a16:creationId xmlns:a16="http://schemas.microsoft.com/office/drawing/2014/main" id="{D157ECA8-C17E-F17A-CEC9-B79DEE1457CF}"/>
+              </a:ext>
+            </a:extLst>
+          </p:cNvPr>
+          <p:cNvSpPr>
+            <a:spLocks noGrp="1"/>
+          </p:cNvSpPr>
+          <p:nvPr>
+            <p:ph idx="1"/>
+          </p:nvPr>
+        </p:nvSpPr>
+        <p:spPr/>
+        <p:txBody>
+          <a:bodyPr/>
+          <a:lstStyle/>
+          <a:p>
+            <a:r>
+              <a:rPr lang="de-DE" dirty="0"/>
+              <a:t>https://github.com/sebastiankoch10/EPWS2223HausenKochZimmer/blob/main/Personas.docx</a:t>
+            </a:r>
           </a:p>
         </p:txBody>
       </p:sp>
@@ -5873,32 +6099,10 @@
           <a:bodyPr/>
           <a:lstStyle/>
           <a:p>
-            <a:endParaRPr lang="de-DE" dirty="0"/>
-          </a:p>
-        </p:txBody>
-      </p:sp>
-      <p:sp>
-        <p:nvSpPr>
-          <p:cNvPr id="3" name="Inhaltsplatzhalter 2">
-            <a:extLst>
-              <a:ext uri="{FF2B5EF4-FFF2-40B4-BE49-F238E27FC236}">
-                <a16:creationId xmlns:a16="http://schemas.microsoft.com/office/drawing/2014/main" id="{26828B3D-0288-9D01-3FAB-ED2A638AE90B}"/>
-              </a:ext>
-            </a:extLst>
-          </p:cNvPr>
-          <p:cNvSpPr>
-            <a:spLocks noGrp="1"/>
-          </p:cNvSpPr>
-          <p:nvPr>
-            <p:ph idx="1"/>
-          </p:nvPr>
-        </p:nvSpPr>
-        <p:spPr/>
-        <p:txBody>
-          <a:bodyPr/>
-          <a:lstStyle/>
-          <a:p>
-            <a:endParaRPr lang="de-DE" dirty="0"/>
+            <a:r>
+              <a:rPr lang="de-DE" dirty="0"/>
+              <a:t>Use-Cases</a:t>
+            </a:r>
           </a:p>
         </p:txBody>
       </p:sp>
@@ -5939,6 +6143,36 @@
           </a:p>
         </p:txBody>
       </p:sp>
+      <p:pic>
+        <p:nvPicPr>
+          <p:cNvPr id="8" name="Grafik 7">
+            <a:extLst>
+              <a:ext uri="{FF2B5EF4-FFF2-40B4-BE49-F238E27FC236}">
+                <a16:creationId xmlns:a16="http://schemas.microsoft.com/office/drawing/2014/main" id="{7C9B2397-7C84-CDF7-3134-3734C5C48087}"/>
+              </a:ext>
+            </a:extLst>
+          </p:cNvPr>
+          <p:cNvPicPr>
+            <a:picLocks noChangeAspect="1"/>
+          </p:cNvPicPr>
+          <p:nvPr/>
+        </p:nvPicPr>
+        <p:blipFill>
+          <a:blip r:embed="rId3"/>
+          <a:stretch>
+            <a:fillRect/>
+          </a:stretch>
+        </p:blipFill>
+        <p:spPr>
+          <a:xfrm>
+            <a:off x="838200" y="1309644"/>
+            <a:ext cx="5275907" cy="5183231"/>
+          </a:xfrm>
+          <a:prstGeom prst="rect">
+            <a:avLst/>
+          </a:prstGeom>
+        </p:spPr>
+      </p:pic>
     </p:spTree>
     <p:extLst>
       <p:ext uri="{BB962C8B-B14F-4D97-AF65-F5344CB8AC3E}">

--- a/EPWS2223HausenKochZimmer Audit 2.pptx
+++ b/EPWS2223HausenKochZimmer Audit 2.pptx
@@ -1462,7 +1462,10 @@
           <a:bodyPr/>
           <a:lstStyle/>
           <a:p>
-            <a:endParaRPr lang="de-DE" dirty="0"/>
+            <a:r>
+              <a:rPr lang="de-DE" dirty="0"/>
+              <a:t>Darstellung noch nicht final aus Zeitgründen. Bisherigen Projektergebnisse haben zu dieser Modellierung geführt.</a:t>
+            </a:r>
           </a:p>
           <a:p>
             <a:endParaRPr lang="de-DE" dirty="0"/>
@@ -1561,7 +1564,10 @@
           <a:bodyPr/>
           <a:lstStyle/>
           <a:p>
-            <a:endParaRPr lang="de-DE" dirty="0"/>
+            <a:r>
+              <a:rPr lang="de-DE" dirty="0"/>
+              <a:t>Die Priorisierung basiert auf der Wichtigkeit der Funktionalitäten.</a:t>
+            </a:r>
           </a:p>
         </p:txBody>
       </p:sp>
@@ -5049,31 +5055,73 @@
           <a:bodyPr/>
           <a:lstStyle/>
           <a:p>
+            <a:r>
+              <a:rPr lang="de-DE" dirty="0"/>
+              <a:t>Audit 3 Deliverables </a:t>
+            </a:r>
+          </a:p>
+        </p:txBody>
+      </p:sp>
+      <p:sp>
+        <p:nvSpPr>
+          <p:cNvPr id="3" name="Inhaltsplatzhalter 2">
+            <a:extLst>
+              <a:ext uri="{FF2B5EF4-FFF2-40B4-BE49-F238E27FC236}">
+                <a16:creationId xmlns:a16="http://schemas.microsoft.com/office/drawing/2014/main" id="{26828B3D-0288-9D01-3FAB-ED2A638AE90B}"/>
+              </a:ext>
+            </a:extLst>
+          </p:cNvPr>
+          <p:cNvSpPr>
+            <a:spLocks noGrp="1"/>
+          </p:cNvSpPr>
+          <p:nvPr>
+            <p:ph idx="1"/>
+          </p:nvPr>
+        </p:nvSpPr>
+        <p:spPr/>
+        <p:txBody>
+          <a:bodyPr/>
+          <a:lstStyle/>
+          <a:p>
+            <a:r>
+              <a:rPr lang="de-DE" dirty="0"/>
+              <a:t>Durchgeführte PoCs</a:t>
+            </a:r>
+          </a:p>
+          <a:p>
+            <a:r>
+              <a:rPr lang="de-DE" dirty="0"/>
+              <a:t>Erster Entwurf des Prototypen, Anwendungslogik</a:t>
+            </a:r>
+          </a:p>
+          <a:p>
+            <a:r>
+              <a:rPr lang="de-DE" dirty="0"/>
+              <a:t>Möglicherweise Klassendiagramm</a:t>
+            </a:r>
+          </a:p>
+          <a:p>
+            <a:r>
+              <a:rPr lang="de-DE" dirty="0"/>
+              <a:t>Activity Diagramm, Interaktionsmodellierung</a:t>
+            </a:r>
+          </a:p>
+          <a:p>
+            <a:r>
+              <a:rPr lang="de-DE" dirty="0"/>
+              <a:t>Conceptual Design</a:t>
+            </a:r>
+          </a:p>
+          <a:p>
+            <a:pPr marL="0" indent="0">
+              <a:buNone/>
+            </a:pPr>
             <a:endParaRPr lang="de-DE" dirty="0"/>
           </a:p>
-        </p:txBody>
-      </p:sp>
-      <p:sp>
-        <p:nvSpPr>
-          <p:cNvPr id="3" name="Inhaltsplatzhalter 2">
-            <a:extLst>
-              <a:ext uri="{FF2B5EF4-FFF2-40B4-BE49-F238E27FC236}">
-                <a16:creationId xmlns:a16="http://schemas.microsoft.com/office/drawing/2014/main" id="{26828B3D-0288-9D01-3FAB-ED2A638AE90B}"/>
-              </a:ext>
-            </a:extLst>
-          </p:cNvPr>
-          <p:cNvSpPr>
-            <a:spLocks noGrp="1"/>
-          </p:cNvSpPr>
-          <p:nvPr>
-            <p:ph idx="1"/>
-          </p:nvPr>
-        </p:nvSpPr>
-        <p:spPr/>
-        <p:txBody>
-          <a:bodyPr/>
-          <a:lstStyle/>
-          <a:p>
+          <a:p>
+            <a:pPr marL="0" indent="0">
+              <a:buNone/>
+            </a:pPr>
             <a:endParaRPr lang="de-DE" dirty="0"/>
           </a:p>
         </p:txBody>
@@ -6224,6 +6272,10 @@
           <a:bodyPr/>
           <a:lstStyle/>
           <a:p>
+            <a:r>
+              <a:rPr lang="de-DE" dirty="0" err="1"/>
+              <a:t>PoC‘s</a:t>
+            </a:r>
             <a:endParaRPr lang="de-DE" dirty="0"/>
           </a:p>
         </p:txBody>
@@ -6249,7 +6301,10 @@
           <a:bodyPr/>
           <a:lstStyle/>
           <a:p>
-            <a:endParaRPr lang="de-DE" dirty="0"/>
+            <a:r>
+              <a:rPr lang="de-DE" dirty="0"/>
+              <a:t>https://github.com/sebastiankoch10/EPWS2223HausenKochZimmer/blob/main/PoCs.docx</a:t>
+            </a:r>
           </a:p>
         </p:txBody>
       </p:sp>
